--- a/IBM CAPSTONE PROJECT.pptx
+++ b/IBM CAPSTONE PROJECT.pptx
@@ -111,6 +111,11 @@
       </a:defRPr>
     </a:lvl9pPr>
   </p:defaultTextStyle>
+  <p:extLst>
+    <p:ext uri="{EFAFB233-063F-42B5-8137-9DF3F51BA10A}">
+      <p15:sldGuideLst xmlns:p15="http://schemas.microsoft.com/office/powerpoint/2012/main"/>
+    </p:ext>
+  </p:extLst>
 </p:presentation>
 </file>
 
@@ -836,7 +841,7 @@
           <a:p>
             <a:fld id="{55364A71-0B3E-44D9-A7FD-4A88894B8338}" type="datetimeFigureOut">
               <a:rPr lang="en-IN" smtClean="0"/>
-              <a:t>23-06-2020</a:t>
+              <a:t>24-06-2020</a:t>
             </a:fld>
             <a:endParaRPr lang="en-IN"/>
           </a:p>
@@ -1087,7 +1092,7 @@
           <a:p>
             <a:fld id="{55364A71-0B3E-44D9-A7FD-4A88894B8338}" type="datetimeFigureOut">
               <a:rPr lang="en-IN" smtClean="0"/>
-              <a:t>23-06-2020</a:t>
+              <a:t>24-06-2020</a:t>
             </a:fld>
             <a:endParaRPr lang="en-IN"/>
           </a:p>
@@ -1401,7 +1406,7 @@
           <a:p>
             <a:fld id="{55364A71-0B3E-44D9-A7FD-4A88894B8338}" type="datetimeFigureOut">
               <a:rPr lang="en-IN" smtClean="0"/>
-              <a:t>23-06-2020</a:t>
+              <a:t>24-06-2020</a:t>
             </a:fld>
             <a:endParaRPr lang="en-IN"/>
           </a:p>
@@ -1742,7 +1747,7 @@
           <a:p>
             <a:fld id="{55364A71-0B3E-44D9-A7FD-4A88894B8338}" type="datetimeFigureOut">
               <a:rPr lang="en-IN" smtClean="0"/>
-              <a:t>23-06-2020</a:t>
+              <a:t>24-06-2020</a:t>
             </a:fld>
             <a:endParaRPr lang="en-IN"/>
           </a:p>
@@ -2056,7 +2061,7 @@
           <a:p>
             <a:fld id="{55364A71-0B3E-44D9-A7FD-4A88894B8338}" type="datetimeFigureOut">
               <a:rPr lang="en-IN" smtClean="0"/>
-              <a:t>23-06-2020</a:t>
+              <a:t>24-06-2020</a:t>
             </a:fld>
             <a:endParaRPr lang="en-IN"/>
           </a:p>
@@ -2449,7 +2454,7 @@
           <a:p>
             <a:fld id="{55364A71-0B3E-44D9-A7FD-4A88894B8338}" type="datetimeFigureOut">
               <a:rPr lang="en-IN" smtClean="0"/>
-              <a:t>23-06-2020</a:t>
+              <a:t>24-06-2020</a:t>
             </a:fld>
             <a:endParaRPr lang="en-IN"/>
           </a:p>
@@ -2619,7 +2624,7 @@
           <a:p>
             <a:fld id="{55364A71-0B3E-44D9-A7FD-4A88894B8338}" type="datetimeFigureOut">
               <a:rPr lang="en-IN" smtClean="0"/>
-              <a:t>23-06-2020</a:t>
+              <a:t>24-06-2020</a:t>
             </a:fld>
             <a:endParaRPr lang="en-IN"/>
           </a:p>
@@ -2799,7 +2804,7 @@
           <a:p>
             <a:fld id="{55364A71-0B3E-44D9-A7FD-4A88894B8338}" type="datetimeFigureOut">
               <a:rPr lang="en-IN" smtClean="0"/>
-              <a:t>23-06-2020</a:t>
+              <a:t>24-06-2020</a:t>
             </a:fld>
             <a:endParaRPr lang="en-IN"/>
           </a:p>
@@ -2975,7 +2980,7 @@
           <a:p>
             <a:fld id="{55364A71-0B3E-44D9-A7FD-4A88894B8338}" type="datetimeFigureOut">
               <a:rPr lang="en-IN" smtClean="0"/>
-              <a:t>23-06-2020</a:t>
+              <a:t>24-06-2020</a:t>
             </a:fld>
             <a:endParaRPr lang="en-IN"/>
           </a:p>
@@ -3222,7 +3227,7 @@
           <a:p>
             <a:fld id="{55364A71-0B3E-44D9-A7FD-4A88894B8338}" type="datetimeFigureOut">
               <a:rPr lang="en-IN" smtClean="0"/>
-              <a:t>23-06-2020</a:t>
+              <a:t>24-06-2020</a:t>
             </a:fld>
             <a:endParaRPr lang="en-IN"/>
           </a:p>
@@ -3454,7 +3459,7 @@
           <a:p>
             <a:fld id="{55364A71-0B3E-44D9-A7FD-4A88894B8338}" type="datetimeFigureOut">
               <a:rPr lang="en-IN" smtClean="0"/>
-              <a:t>23-06-2020</a:t>
+              <a:t>24-06-2020</a:t>
             </a:fld>
             <a:endParaRPr lang="en-IN"/>
           </a:p>
@@ -3828,7 +3833,7 @@
           <a:p>
             <a:fld id="{55364A71-0B3E-44D9-A7FD-4A88894B8338}" type="datetimeFigureOut">
               <a:rPr lang="en-IN" smtClean="0"/>
-              <a:t>23-06-2020</a:t>
+              <a:t>24-06-2020</a:t>
             </a:fld>
             <a:endParaRPr lang="en-IN"/>
           </a:p>
@@ -3951,7 +3956,7 @@
           <a:p>
             <a:fld id="{55364A71-0B3E-44D9-A7FD-4A88894B8338}" type="datetimeFigureOut">
               <a:rPr lang="en-IN" smtClean="0"/>
-              <a:t>23-06-2020</a:t>
+              <a:t>24-06-2020</a:t>
             </a:fld>
             <a:endParaRPr lang="en-IN"/>
           </a:p>
@@ -4046,7 +4051,7 @@
           <a:p>
             <a:fld id="{55364A71-0B3E-44D9-A7FD-4A88894B8338}" type="datetimeFigureOut">
               <a:rPr lang="en-IN" smtClean="0"/>
-              <a:t>23-06-2020</a:t>
+              <a:t>24-06-2020</a:t>
             </a:fld>
             <a:endParaRPr lang="en-IN"/>
           </a:p>
@@ -4301,7 +4306,7 @@
           <a:p>
             <a:fld id="{55364A71-0B3E-44D9-A7FD-4A88894B8338}" type="datetimeFigureOut">
               <a:rPr lang="en-IN" smtClean="0"/>
-              <a:t>23-06-2020</a:t>
+              <a:t>24-06-2020</a:t>
             </a:fld>
             <a:endParaRPr lang="en-IN"/>
           </a:p>
@@ -4564,7 +4569,7 @@
           <a:p>
             <a:fld id="{55364A71-0B3E-44D9-A7FD-4A88894B8338}" type="datetimeFigureOut">
               <a:rPr lang="en-IN" smtClean="0"/>
-              <a:t>23-06-2020</a:t>
+              <a:t>24-06-2020</a:t>
             </a:fld>
             <a:endParaRPr lang="en-IN"/>
           </a:p>
@@ -5307,7 +5312,7 @@
           <a:p>
             <a:fld id="{55364A71-0B3E-44D9-A7FD-4A88894B8338}" type="datetimeFigureOut">
               <a:rPr lang="en-IN" smtClean="0"/>
-              <a:t>23-06-2020</a:t>
+              <a:t>24-06-2020</a:t>
             </a:fld>
             <a:endParaRPr lang="en-IN"/>
           </a:p>
@@ -5951,7 +5956,43 @@
           <a:p>
             <a:r>
               <a:rPr lang="en-IN" dirty="0"/>
-              <a:t>Many people are finding it difficult to find the right place to visit when they are in traveling around the globe. Most importantly it is the travel guides and navigators who are adversely affected while venturing into new territories due to lack of knowledge about the place and places where they could go. To get the full enjoyment and understanding of a journey and its places the major attractions have to be seen, felt, and understood. Currently, even though many apps and software are available for fulfilling this purpose, this program on python focuses on some simple solutions to the people. Usually, just details of these places are provided, and a map of such places that can be interacted with is not available. This project addresses this issue also.</a:t>
+              <a:t>Many people are finding it difficult to find the right place to visit when they are in traveling around the globe</a:t>
+            </a:r>
+            <a:r>
+              <a:rPr lang="en-IN" dirty="0" smtClean="0"/>
+              <a:t>.</a:t>
+            </a:r>
+          </a:p>
+          <a:p>
+            <a:r>
+              <a:rPr lang="en-IN" dirty="0" smtClean="0"/>
+              <a:t> </a:t>
+            </a:r>
+            <a:r>
+              <a:rPr lang="en-IN" dirty="0"/>
+              <a:t>Most importantly it is the travel guides and navigators who are adversely affected while venturing into new territories due to lack of knowledge about the place and places where they could go. </a:t>
+            </a:r>
+            <a:endParaRPr lang="en-IN" dirty="0" smtClean="0"/>
+          </a:p>
+          <a:p>
+            <a:r>
+              <a:rPr lang="en-IN" dirty="0" smtClean="0"/>
+              <a:t>Currently</a:t>
+            </a:r>
+            <a:r>
+              <a:rPr lang="en-IN" dirty="0"/>
+              <a:t>, even though many apps and software are available for fulfilling this purpose, this program on python focuses on some simple solutions to the people. Usually, just details of these places are provided, and a map of such places that can be interacted with is not available. </a:t>
+            </a:r>
+            <a:endParaRPr lang="en-IN" dirty="0" smtClean="0"/>
+          </a:p>
+          <a:p>
+            <a:r>
+              <a:rPr lang="en-IN" dirty="0" smtClean="0"/>
+              <a:t>This </a:t>
+            </a:r>
+            <a:r>
+              <a:rPr lang="en-IN" dirty="0"/>
+              <a:t>project addresses this issue also.</a:t>
             </a:r>
           </a:p>
           <a:p>
@@ -6034,6 +6075,36 @@
           </a:p>
         </p:txBody>
       </p:sp>
+      <p:pic>
+        <p:nvPicPr>
+          <p:cNvPr id="4" name="Picture 3"/>
+          <p:cNvPicPr>
+            <a:picLocks noChangeAspect="1"/>
+          </p:cNvPicPr>
+          <p:nvPr/>
+        </p:nvPicPr>
+        <p:blipFill>
+          <a:blip r:embed="rId2">
+            <a:extLst>
+              <a:ext uri="{28A0092B-C50C-407E-A947-70E740481C1C}">
+                <a14:useLocalDpi xmlns:a14="http://schemas.microsoft.com/office/drawing/2010/main" val="0"/>
+              </a:ext>
+            </a:extLst>
+          </a:blip>
+          <a:stretch>
+            <a:fillRect/>
+          </a:stretch>
+        </p:blipFill>
+        <p:spPr>
+          <a:xfrm>
+            <a:off x="1230593" y="3948157"/>
+            <a:ext cx="6614445" cy="2858054"/>
+          </a:xfrm>
+          <a:prstGeom prst="rect">
+            <a:avLst/>
+          </a:prstGeom>
+        </p:spPr>
+      </p:pic>
     </p:spTree>
     <p:extLst>
       <p:ext uri="{BB962C8B-B14F-4D97-AF65-F5344CB8AC3E}">
@@ -6143,7 +6214,7 @@
         </p:nvSpPr>
         <p:spPr>
           <a:xfrm>
-            <a:off x="677334" y="2160589"/>
+            <a:off x="677334" y="1596567"/>
             <a:ext cx="8596668" cy="4697411"/>
           </a:xfrm>
         </p:spPr>
@@ -6159,6 +6230,9 @@
             </a:r>
           </a:p>
           <a:p>
+            <a:pPr marL="0" indent="0">
+              <a:buNone/>
+            </a:pPr>
             <a:r>
               <a:rPr lang="en-IN" dirty="0"/>
               <a:t> </a:t>
@@ -6171,10 +6245,7 @@
             </a:r>
           </a:p>
           <a:p>
-            <a:r>
-              <a:rPr lang="en-IN" dirty="0"/>
-              <a:t> </a:t>
-            </a:r>
+            <a:endParaRPr lang="en-IN" dirty="0"/>
           </a:p>
           <a:p>
             <a:r>
@@ -6183,10 +6254,7 @@
             </a:r>
           </a:p>
           <a:p>
-            <a:r>
-              <a:rPr lang="en-IN" dirty="0"/>
-              <a:t> </a:t>
-            </a:r>
+            <a:endParaRPr lang="en-IN" dirty="0"/>
           </a:p>
           <a:p>
             <a:r>
@@ -6236,7 +6304,12 @@
             <p:ph type="title"/>
           </p:nvPr>
         </p:nvSpPr>
-        <p:spPr/>
+        <p:spPr>
+          <a:xfrm>
+            <a:off x="557693" y="276314"/>
+            <a:ext cx="8596668" cy="1320800"/>
+          </a:xfrm>
+        </p:spPr>
         <p:txBody>
           <a:bodyPr/>
           <a:lstStyle/>
@@ -6259,7 +6332,7 @@
             <p:ph idx="1"/>
           </p:nvPr>
         </p:nvPicPr>
-        <p:blipFill>
+        <p:blipFill rotWithShape="1">
           <a:blip r:embed="rId2" cstate="print">
             <a:extLst>
               <a:ext uri="{28A0092B-C50C-407E-A947-70E740481C1C}">
@@ -6267,14 +6340,13 @@
               </a:ext>
             </a:extLst>
           </a:blip>
-          <a:stretch>
-            <a:fillRect/>
-          </a:stretch>
+          <a:srcRect l="20251" t="22288" r="15513" b="16665"/>
+          <a:stretch/>
         </p:blipFill>
         <p:spPr>
           <a:xfrm>
-            <a:off x="1525853" y="2160588"/>
-            <a:ext cx="6900332" cy="3881437"/>
+            <a:off x="705456" y="1186368"/>
+            <a:ext cx="8799132" cy="4949512"/>
           </a:xfrm>
         </p:spPr>
       </p:pic>
@@ -6359,10 +6431,7 @@
             </a:r>
           </a:p>
           <a:p>
-            <a:r>
-              <a:rPr lang="en-IN" dirty="0"/>
-              <a:t> </a:t>
-            </a:r>
+            <a:endParaRPr lang="en-IN" dirty="0"/>
           </a:p>
           <a:p>
             <a:r>
@@ -6379,10 +6448,7 @@
             </a:r>
           </a:p>
           <a:p>
-            <a:r>
-              <a:rPr lang="en-IN" dirty="0"/>
-              <a:t> </a:t>
-            </a:r>
+            <a:endParaRPr lang="en-IN" dirty="0"/>
           </a:p>
           <a:p>
             <a:r>
